--- a/.lessons/16 Fundamental. Database - Query Builder/7 Delete Data From Database/1.pptx
+++ b/.lessons/16 Fundamental. Database - Query Builder/7 Delete Data From Database/1.pptx
@@ -7,9 +7,7 @@
   <p:sldIdLst>
     <p:sldId id="396" r:id="rId2"/>
     <p:sldId id="397" r:id="rId3"/>
-    <p:sldId id="398" r:id="rId4"/>
-    <p:sldId id="399" r:id="rId5"/>
-    <p:sldId id="400" r:id="rId6"/>
+    <p:sldId id="400" r:id="rId4"/>
   </p:sldIdLst>
   <p:sldSz cx="12192000" cy="6858000"/>
   <p:notesSz cx="6858000" cy="9144000"/>
@@ -263,7 +261,7 @@
           <a:p>
             <a:fld id="{3E102D2E-813C-461C-9963-687A650C48C0}" type="datetimeFigureOut">
               <a:rPr lang="en-US" smtClean="0"/>
-              <a:t>4/22/2025</a:t>
+              <a:t>4/23/2025</a:t>
             </a:fld>
             <a:endParaRPr lang="en-US"/>
           </a:p>
@@ -461,7 +459,7 @@
           <a:p>
             <a:fld id="{3E102D2E-813C-461C-9963-687A650C48C0}" type="datetimeFigureOut">
               <a:rPr lang="en-US" smtClean="0"/>
-              <a:t>4/22/2025</a:t>
+              <a:t>4/23/2025</a:t>
             </a:fld>
             <a:endParaRPr lang="en-US"/>
           </a:p>
@@ -669,7 +667,7 @@
           <a:p>
             <a:fld id="{3E102D2E-813C-461C-9963-687A650C48C0}" type="datetimeFigureOut">
               <a:rPr lang="en-US" smtClean="0"/>
-              <a:t>4/22/2025</a:t>
+              <a:t>4/23/2025</a:t>
             </a:fld>
             <a:endParaRPr lang="en-US"/>
           </a:p>
@@ -867,7 +865,7 @@
           <a:p>
             <a:fld id="{3E102D2E-813C-461C-9963-687A650C48C0}" type="datetimeFigureOut">
               <a:rPr lang="en-US" smtClean="0"/>
-              <a:t>4/22/2025</a:t>
+              <a:t>4/23/2025</a:t>
             </a:fld>
             <a:endParaRPr lang="en-US"/>
           </a:p>
@@ -1142,7 +1140,7 @@
           <a:p>
             <a:fld id="{3E102D2E-813C-461C-9963-687A650C48C0}" type="datetimeFigureOut">
               <a:rPr lang="en-US" smtClean="0"/>
-              <a:t>4/22/2025</a:t>
+              <a:t>4/23/2025</a:t>
             </a:fld>
             <a:endParaRPr lang="en-US"/>
           </a:p>
@@ -1407,7 +1405,7 @@
           <a:p>
             <a:fld id="{3E102D2E-813C-461C-9963-687A650C48C0}" type="datetimeFigureOut">
               <a:rPr lang="en-US" smtClean="0"/>
-              <a:t>4/22/2025</a:t>
+              <a:t>4/23/2025</a:t>
             </a:fld>
             <a:endParaRPr lang="en-US"/>
           </a:p>
@@ -1819,7 +1817,7 @@
           <a:p>
             <a:fld id="{3E102D2E-813C-461C-9963-687A650C48C0}" type="datetimeFigureOut">
               <a:rPr lang="en-US" smtClean="0"/>
-              <a:t>4/22/2025</a:t>
+              <a:t>4/23/2025</a:t>
             </a:fld>
             <a:endParaRPr lang="en-US"/>
           </a:p>
@@ -1960,7 +1958,7 @@
           <a:p>
             <a:fld id="{3E102D2E-813C-461C-9963-687A650C48C0}" type="datetimeFigureOut">
               <a:rPr lang="en-US" smtClean="0"/>
-              <a:t>4/22/2025</a:t>
+              <a:t>4/23/2025</a:t>
             </a:fld>
             <a:endParaRPr lang="en-US"/>
           </a:p>
@@ -2073,7 +2071,7 @@
           <a:p>
             <a:fld id="{3E102D2E-813C-461C-9963-687A650C48C0}" type="datetimeFigureOut">
               <a:rPr lang="en-US" smtClean="0"/>
-              <a:t>4/22/2025</a:t>
+              <a:t>4/23/2025</a:t>
             </a:fld>
             <a:endParaRPr lang="en-US"/>
           </a:p>
@@ -2384,7 +2382,7 @@
           <a:p>
             <a:fld id="{3E102D2E-813C-461C-9963-687A650C48C0}" type="datetimeFigureOut">
               <a:rPr lang="en-US" smtClean="0"/>
-              <a:t>4/22/2025</a:t>
+              <a:t>4/23/2025</a:t>
             </a:fld>
             <a:endParaRPr lang="en-US"/>
           </a:p>
@@ -2672,7 +2670,7 @@
           <a:p>
             <a:fld id="{3E102D2E-813C-461C-9963-687A650C48C0}" type="datetimeFigureOut">
               <a:rPr lang="en-US" smtClean="0"/>
-              <a:t>4/22/2025</a:t>
+              <a:t>4/23/2025</a:t>
             </a:fld>
             <a:endParaRPr lang="en-US"/>
           </a:p>
@@ -2913,7 +2911,7 @@
           <a:p>
             <a:fld id="{3E102D2E-813C-461C-9963-687A650C48C0}" type="datetimeFigureOut">
               <a:rPr lang="en-US" smtClean="0"/>
-              <a:t>4/22/2025</a:t>
+              <a:t>4/23/2025</a:t>
             </a:fld>
             <a:endParaRPr lang="en-US"/>
           </a:p>
@@ -3351,7 +3349,7 @@
         <p:spPr>
           <a:xfrm>
             <a:off x="217714" y="255046"/>
-            <a:ext cx="11756571" cy="355354"/>
+            <a:ext cx="11756571" cy="4556504"/>
           </a:xfrm>
           <a:prstGeom prst="rect">
             <a:avLst/>
@@ -3370,6 +3368,19 @@
               </a:lnSpc>
               <a:buNone/>
             </a:pPr>
+            <a:r>
+              <a:rPr kumimoji="0" lang="en-US" altLang="en-US" sz="1300" b="1" i="0" u="none" strike="noStrike" cap="none" normalizeH="0" baseline="0">
+                <a:ln>
+                  <a:noFill/>
+                </a:ln>
+                <a:solidFill>
+                  <a:srgbClr val="FF0000"/>
+                </a:solidFill>
+                <a:effectLst/>
+                <a:latin typeface="Arial" panose="020B0604020202020204" pitchFamily="34" charset="0"/>
+              </a:rPr>
+              <a:t>delete() </a:t>
+            </a:r>
             <a:r>
               <a:rPr kumimoji="0" lang="en-US" altLang="en-US" sz="1300" b="0" i="0" u="none" strike="noStrike" cap="none" normalizeH="0" baseline="0">
                 <a:ln>
@@ -3381,11 +3392,557 @@
                 <a:effectLst/>
                 <a:latin typeface="Arial" panose="020B0604020202020204" pitchFamily="34" charset="0"/>
               </a:rPr>
-              <a:t>.</a:t>
-            </a:r>
-          </a:p>
-        </p:txBody>
-      </p:sp>
+              <a:t>nədir?</a:t>
+            </a:r>
+            <a:endParaRPr kumimoji="0" lang="az-Latn-AZ" altLang="en-US" sz="1300" b="0" i="0" u="none" strike="noStrike" cap="none" normalizeH="0" baseline="0">
+              <a:ln>
+                <a:noFill/>
+              </a:ln>
+              <a:solidFill>
+                <a:schemeClr val="tx1"/>
+              </a:solidFill>
+              <a:effectLst/>
+              <a:latin typeface="Arial" panose="020B0604020202020204" pitchFamily="34" charset="0"/>
+            </a:endParaRPr>
+          </a:p>
+          <a:p>
+            <a:pPr>
+              <a:lnSpc>
+                <a:spcPct val="150000"/>
+              </a:lnSpc>
+              <a:buNone/>
+            </a:pPr>
+            <a:endParaRPr kumimoji="0" lang="en-US" altLang="en-US" sz="1300" b="0" i="0" u="none" strike="noStrike" cap="none" normalizeH="0" baseline="0">
+              <a:ln>
+                <a:noFill/>
+              </a:ln>
+              <a:solidFill>
+                <a:schemeClr val="tx1"/>
+              </a:solidFill>
+              <a:effectLst/>
+              <a:latin typeface="Arial" panose="020B0604020202020204" pitchFamily="34" charset="0"/>
+            </a:endParaRPr>
+          </a:p>
+          <a:p>
+            <a:pPr>
+              <a:lnSpc>
+                <a:spcPct val="150000"/>
+              </a:lnSpc>
+              <a:buNone/>
+            </a:pPr>
+            <a:r>
+              <a:rPr kumimoji="0" lang="en-US" altLang="en-US" sz="1300" b="0" i="0" u="none" strike="noStrike" cap="none" normalizeH="0" baseline="0">
+                <a:ln>
+                  <a:noFill/>
+                </a:ln>
+                <a:solidFill>
+                  <a:schemeClr val="tx1"/>
+                </a:solidFill>
+                <a:effectLst/>
+                <a:latin typeface="Arial" panose="020B0604020202020204" pitchFamily="34" charset="0"/>
+              </a:rPr>
+              <a:t>Laravel Query Builder-də </a:t>
+            </a:r>
+            <a:r>
+              <a:rPr kumimoji="0" lang="en-US" altLang="en-US" sz="1300" b="1" i="0" u="none" strike="noStrike" cap="none" normalizeH="0" baseline="0">
+                <a:ln>
+                  <a:noFill/>
+                </a:ln>
+                <a:solidFill>
+                  <a:schemeClr val="tx1"/>
+                </a:solidFill>
+                <a:effectLst/>
+                <a:latin typeface="Arial" panose="020B0604020202020204" pitchFamily="34" charset="0"/>
+              </a:rPr>
+              <a:t>delete() </a:t>
+            </a:r>
+            <a:r>
+              <a:rPr kumimoji="0" lang="en-US" altLang="en-US" sz="1300" b="0" i="0" u="none" strike="noStrike" cap="none" normalizeH="0" baseline="0">
+                <a:ln>
+                  <a:noFill/>
+                </a:ln>
+                <a:solidFill>
+                  <a:schemeClr val="tx1"/>
+                </a:solidFill>
+                <a:effectLst/>
+                <a:latin typeface="Arial" panose="020B0604020202020204" pitchFamily="34" charset="0"/>
+              </a:rPr>
+              <a:t>metodu, verilənlər bazasında mövcud olan qeyd(lər)i silmək üçün istifadə olunur.</a:t>
+            </a:r>
+          </a:p>
+          <a:p>
+            <a:pPr>
+              <a:lnSpc>
+                <a:spcPct val="150000"/>
+              </a:lnSpc>
+              <a:buNone/>
+            </a:pPr>
+            <a:endParaRPr kumimoji="0" lang="en-US" altLang="en-US" sz="1300" b="0" i="0" u="none" strike="noStrike" cap="none" normalizeH="0" baseline="0">
+              <a:ln>
+                <a:noFill/>
+              </a:ln>
+              <a:solidFill>
+                <a:schemeClr val="tx1"/>
+              </a:solidFill>
+              <a:effectLst/>
+              <a:latin typeface="Arial" panose="020B0604020202020204" pitchFamily="34" charset="0"/>
+            </a:endParaRPr>
+          </a:p>
+          <a:p>
+            <a:pPr>
+              <a:lnSpc>
+                <a:spcPct val="150000"/>
+              </a:lnSpc>
+              <a:buNone/>
+            </a:pPr>
+            <a:r>
+              <a:rPr kumimoji="0" lang="en-US" altLang="en-US" sz="1300" b="0" i="0" u="none" strike="noStrike" cap="none" normalizeH="0" baseline="0">
+                <a:ln>
+                  <a:noFill/>
+                </a:ln>
+                <a:solidFill>
+                  <a:schemeClr val="tx1"/>
+                </a:solidFill>
+                <a:effectLst/>
+                <a:latin typeface="Arial" panose="020B0604020202020204" pitchFamily="34" charset="0"/>
+              </a:rPr>
+              <a:t>Bu metodla </a:t>
+            </a:r>
+            <a:r>
+              <a:rPr kumimoji="0" lang="en-US" altLang="en-US" sz="1300" b="1" i="0" u="none" strike="noStrike" cap="none" normalizeH="0" baseline="0">
+                <a:ln>
+                  <a:noFill/>
+                </a:ln>
+                <a:solidFill>
+                  <a:schemeClr val="tx1"/>
+                </a:solidFill>
+                <a:effectLst/>
+                <a:latin typeface="Arial" panose="020B0604020202020204" pitchFamily="34" charset="0"/>
+              </a:rPr>
+              <a:t>WHERE</a:t>
+            </a:r>
+            <a:r>
+              <a:rPr kumimoji="0" lang="en-US" altLang="en-US" sz="1300" b="0" i="0" u="none" strike="noStrike" cap="none" normalizeH="0" baseline="0">
+                <a:ln>
+                  <a:noFill/>
+                </a:ln>
+                <a:solidFill>
+                  <a:schemeClr val="tx1"/>
+                </a:solidFill>
+                <a:effectLst/>
+                <a:latin typeface="Arial" panose="020B0604020202020204" pitchFamily="34" charset="0"/>
+              </a:rPr>
+              <a:t> şərtlərinə əsasən, ya da birbaşa </a:t>
+            </a:r>
+            <a:r>
+              <a:rPr kumimoji="0" lang="en-US" altLang="en-US" sz="1300" b="1" i="0" u="none" strike="noStrike" cap="none" normalizeH="0" baseline="0">
+                <a:ln>
+                  <a:noFill/>
+                </a:ln>
+                <a:solidFill>
+                  <a:schemeClr val="tx1"/>
+                </a:solidFill>
+                <a:effectLst/>
+                <a:latin typeface="Arial" panose="020B0604020202020204" pitchFamily="34" charset="0"/>
+              </a:rPr>
+              <a:t>id</a:t>
+            </a:r>
+            <a:r>
+              <a:rPr kumimoji="0" lang="en-US" altLang="en-US" sz="1300" b="0" i="0" u="none" strike="noStrike" cap="none" normalizeH="0" baseline="0">
+                <a:ln>
+                  <a:noFill/>
+                </a:ln>
+                <a:solidFill>
+                  <a:schemeClr val="tx1"/>
+                </a:solidFill>
+                <a:effectLst/>
+                <a:latin typeface="Arial" panose="020B0604020202020204" pitchFamily="34" charset="0"/>
+              </a:rPr>
+              <a:t> ilə məlumatları silə bilərik.</a:t>
+            </a:r>
+            <a:endParaRPr kumimoji="0" lang="az-Latn-AZ" altLang="en-US" sz="1300" b="0" i="0" u="none" strike="noStrike" cap="none" normalizeH="0" baseline="0">
+              <a:ln>
+                <a:noFill/>
+              </a:ln>
+              <a:solidFill>
+                <a:schemeClr val="tx1"/>
+              </a:solidFill>
+              <a:effectLst/>
+              <a:latin typeface="Arial" panose="020B0604020202020204" pitchFamily="34" charset="0"/>
+            </a:endParaRPr>
+          </a:p>
+          <a:p>
+            <a:pPr>
+              <a:lnSpc>
+                <a:spcPct val="150000"/>
+              </a:lnSpc>
+              <a:buNone/>
+            </a:pPr>
+            <a:endParaRPr lang="az-Latn-AZ" altLang="en-US" sz="1300">
+              <a:latin typeface="Arial" panose="020B0604020202020204" pitchFamily="34" charset="0"/>
+            </a:endParaRPr>
+          </a:p>
+          <a:p>
+            <a:pPr>
+              <a:lnSpc>
+                <a:spcPct val="150000"/>
+              </a:lnSpc>
+              <a:buNone/>
+            </a:pPr>
+            <a:endParaRPr kumimoji="0" lang="az-Latn-AZ" altLang="en-US" sz="1300" b="0" i="0" u="none" strike="noStrike" cap="none" normalizeH="0" baseline="0">
+              <a:ln>
+                <a:noFill/>
+              </a:ln>
+              <a:solidFill>
+                <a:schemeClr val="tx1"/>
+              </a:solidFill>
+              <a:effectLst/>
+              <a:latin typeface="Arial" panose="020B0604020202020204" pitchFamily="34" charset="0"/>
+            </a:endParaRPr>
+          </a:p>
+          <a:p>
+            <a:pPr>
+              <a:lnSpc>
+                <a:spcPct val="150000"/>
+              </a:lnSpc>
+              <a:buNone/>
+            </a:pPr>
+            <a:r>
+              <a:rPr kumimoji="0" lang="en-US" altLang="en-US" sz="1300" b="1" i="0" u="none" strike="noStrike" cap="none" normalizeH="0" baseline="0">
+                <a:ln>
+                  <a:noFill/>
+                </a:ln>
+                <a:solidFill>
+                  <a:schemeClr val="tx1"/>
+                </a:solidFill>
+                <a:effectLst/>
+                <a:latin typeface="Arial" panose="020B0604020202020204" pitchFamily="34" charset="0"/>
+              </a:rPr>
+              <a:t>Bütün sətirləri silmək (ÇOX TƏHLÜKƏLİDİR!)</a:t>
+            </a:r>
+            <a:r>
+              <a:rPr kumimoji="0" lang="en-US" altLang="en-US" sz="1300" b="0" i="0" u="none" strike="noStrike" cap="none" normalizeH="0" baseline="0">
+                <a:ln>
+                  <a:noFill/>
+                </a:ln>
+                <a:solidFill>
+                  <a:schemeClr val="tx1"/>
+                </a:solidFill>
+                <a:effectLst/>
+                <a:latin typeface="Arial" panose="020B0604020202020204" pitchFamily="34" charset="0"/>
+              </a:rPr>
+              <a:t>:</a:t>
+            </a:r>
+            <a:r>
+              <a:rPr lang="az-Latn-AZ" altLang="en-US" sz="1300">
+                <a:latin typeface="Arial" panose="020B0604020202020204" pitchFamily="34" charset="0"/>
+              </a:rPr>
+              <a:t> </a:t>
+            </a:r>
+            <a:r>
+              <a:rPr lang="az-Latn-AZ" altLang="en-US" sz="1300" b="1">
+                <a:solidFill>
+                  <a:srgbClr val="FF0000"/>
+                </a:solidFill>
+                <a:latin typeface="Arial" panose="020B0604020202020204" pitchFamily="34" charset="0"/>
+              </a:rPr>
+              <a:t>DB::table('posts')-&gt;delete();</a:t>
+            </a:r>
+          </a:p>
+          <a:p>
+            <a:pPr>
+              <a:lnSpc>
+                <a:spcPct val="150000"/>
+              </a:lnSpc>
+              <a:buNone/>
+            </a:pPr>
+            <a:endParaRPr kumimoji="0" lang="az-Latn-AZ" altLang="en-US" sz="1300" b="0" i="0" u="none" strike="noStrike" cap="none" normalizeH="0" baseline="0">
+              <a:ln>
+                <a:noFill/>
+              </a:ln>
+              <a:solidFill>
+                <a:schemeClr val="tx1"/>
+              </a:solidFill>
+              <a:effectLst/>
+              <a:latin typeface="Arial" panose="020B0604020202020204" pitchFamily="34" charset="0"/>
+            </a:endParaRPr>
+          </a:p>
+          <a:p>
+            <a:pPr>
+              <a:lnSpc>
+                <a:spcPct val="150000"/>
+              </a:lnSpc>
+              <a:buNone/>
+            </a:pPr>
+            <a:r>
+              <a:rPr kumimoji="0" lang="en-US" altLang="en-US" sz="1300" b="0" i="0" u="none" strike="noStrike" cap="none" normalizeH="0" baseline="0">
+                <a:ln>
+                  <a:noFill/>
+                </a:ln>
+                <a:solidFill>
+                  <a:schemeClr val="tx1"/>
+                </a:solidFill>
+                <a:effectLst/>
+                <a:latin typeface="Arial" panose="020B0604020202020204" pitchFamily="34" charset="0"/>
+              </a:rPr>
+              <a:t>Laravel sənədlərində </a:t>
+            </a:r>
+            <a:r>
+              <a:rPr kumimoji="0" lang="en-US" altLang="en-US" sz="1300" b="1" i="0" u="none" strike="noStrike" cap="none" normalizeH="0" baseline="0">
+                <a:ln>
+                  <a:noFill/>
+                </a:ln>
+                <a:solidFill>
+                  <a:schemeClr val="tx1"/>
+                </a:solidFill>
+                <a:effectLst/>
+                <a:latin typeface="Arial" panose="020B0604020202020204" pitchFamily="34" charset="0"/>
+              </a:rPr>
+              <a:t>where()-&gt;delete() </a:t>
+            </a:r>
+            <a:r>
+              <a:rPr kumimoji="0" lang="en-US" altLang="en-US" sz="1300" b="0" i="0" u="none" strike="noStrike" cap="none" normalizeH="0" baseline="0">
+                <a:ln>
+                  <a:noFill/>
+                </a:ln>
+                <a:solidFill>
+                  <a:schemeClr val="tx1"/>
+                </a:solidFill>
+                <a:effectLst/>
+                <a:latin typeface="Arial" panose="020B0604020202020204" pitchFamily="34" charset="0"/>
+              </a:rPr>
+              <a:t>forması göstərilir, amma əslində </a:t>
+            </a:r>
+            <a:r>
+              <a:rPr kumimoji="0" lang="en-US" altLang="en-US" sz="1300" b="1" i="0" u="none" strike="noStrike" cap="none" normalizeH="0" baseline="0">
+                <a:ln>
+                  <a:noFill/>
+                </a:ln>
+                <a:solidFill>
+                  <a:schemeClr val="tx1"/>
+                </a:solidFill>
+                <a:effectLst/>
+                <a:latin typeface="Arial" panose="020B0604020202020204" pitchFamily="34" charset="0"/>
+              </a:rPr>
+              <a:t>delete($id) </a:t>
+            </a:r>
+            <a:r>
+              <a:rPr kumimoji="0" lang="en-US" altLang="en-US" sz="1300" b="0" i="0" u="none" strike="noStrike" cap="none" normalizeH="0" baseline="0">
+                <a:ln>
+                  <a:noFill/>
+                </a:ln>
+                <a:solidFill>
+                  <a:schemeClr val="tx1"/>
+                </a:solidFill>
+                <a:effectLst/>
+                <a:latin typeface="Arial" panose="020B0604020202020204" pitchFamily="34" charset="0"/>
+              </a:rPr>
+              <a:t>də işləyir və bu sadəcə daha qısa yoldur. Hər ikisi düzgündür, amma </a:t>
+            </a:r>
+            <a:r>
+              <a:rPr kumimoji="0" lang="en-US" altLang="en-US" sz="1300" b="1" i="0" u="none" strike="noStrike" cap="none" normalizeH="0" baseline="0">
+                <a:ln>
+                  <a:noFill/>
+                </a:ln>
+                <a:solidFill>
+                  <a:schemeClr val="tx1"/>
+                </a:solidFill>
+                <a:effectLst/>
+                <a:latin typeface="Arial" panose="020B0604020202020204" pitchFamily="34" charset="0"/>
+              </a:rPr>
+              <a:t>where(...)-&gt;delete() </a:t>
+            </a:r>
+            <a:r>
+              <a:rPr kumimoji="0" lang="en-US" altLang="en-US" sz="1300" b="0" i="0" u="none" strike="noStrike" cap="none" normalizeH="0" baseline="0">
+                <a:ln>
+                  <a:noFill/>
+                </a:ln>
+                <a:solidFill>
+                  <a:schemeClr val="tx1"/>
+                </a:solidFill>
+                <a:effectLst/>
+                <a:latin typeface="Arial" panose="020B0604020202020204" pitchFamily="34" charset="0"/>
+              </a:rPr>
+              <a:t>daha aydın və oxunaqlı sayılır, xüsusilə böyük layihələrdə və komanda ilə işləyərkən.</a:t>
+            </a:r>
+            <a:endParaRPr lang="az-Latn-AZ" altLang="en-US" sz="1300">
+              <a:latin typeface="Arial" panose="020B0604020202020204" pitchFamily="34" charset="0"/>
+            </a:endParaRPr>
+          </a:p>
+          <a:p>
+            <a:pPr>
+              <a:lnSpc>
+                <a:spcPct val="150000"/>
+              </a:lnSpc>
+              <a:buNone/>
+            </a:pPr>
+            <a:endParaRPr kumimoji="0" lang="az-Latn-AZ" altLang="en-US" sz="1300" b="0" i="0" u="none" strike="noStrike" cap="none" normalizeH="0" baseline="0">
+              <a:ln>
+                <a:noFill/>
+              </a:ln>
+              <a:solidFill>
+                <a:schemeClr val="tx1"/>
+              </a:solidFill>
+              <a:effectLst/>
+              <a:latin typeface="Arial" panose="020B0604020202020204" pitchFamily="34" charset="0"/>
+            </a:endParaRPr>
+          </a:p>
+          <a:p>
+            <a:pPr>
+              <a:lnSpc>
+                <a:spcPct val="150000"/>
+              </a:lnSpc>
+              <a:buNone/>
+            </a:pPr>
+            <a:r>
+              <a:rPr kumimoji="0" lang="en-US" altLang="en-US" sz="1300" b="1" i="0" u="none" strike="noStrike" cap="none" normalizeH="0" baseline="0">
+                <a:ln>
+                  <a:noFill/>
+                </a:ln>
+                <a:solidFill>
+                  <a:schemeClr val="tx1"/>
+                </a:solidFill>
+                <a:effectLst/>
+                <a:latin typeface="Arial" panose="020B0604020202020204" pitchFamily="34" charset="0"/>
+              </a:rPr>
+              <a:t>delete($id) </a:t>
+            </a:r>
+            <a:r>
+              <a:rPr kumimoji="0" lang="en-US" altLang="en-US" sz="1300" b="0" i="0" u="none" strike="noStrike" cap="none" normalizeH="0" baseline="0">
+                <a:ln>
+                  <a:noFill/>
+                </a:ln>
+                <a:solidFill>
+                  <a:schemeClr val="tx1"/>
+                </a:solidFill>
+                <a:effectLst/>
+                <a:latin typeface="Arial" panose="020B0604020202020204" pitchFamily="34" charset="0"/>
+              </a:rPr>
+              <a:t>formasını istifadə etmək mümkündür və bu, Laravel tərəfindən dəstəklənir — lakin sənədlərdə açıq şəkildə izah edilmir.</a:t>
+            </a:r>
+            <a:endParaRPr lang="az-Latn-AZ" altLang="en-US" sz="1300">
+              <a:latin typeface="Arial" panose="020B0604020202020204" pitchFamily="34" charset="0"/>
+            </a:endParaRPr>
+          </a:p>
+          <a:p>
+            <a:pPr>
+              <a:lnSpc>
+                <a:spcPct val="150000"/>
+              </a:lnSpc>
+              <a:buNone/>
+            </a:pPr>
+            <a:endParaRPr kumimoji="0" lang="az-Latn-AZ" altLang="en-US" sz="1300" b="0" i="0" u="none" strike="noStrike" cap="none" normalizeH="0" baseline="0">
+              <a:ln>
+                <a:noFill/>
+              </a:ln>
+              <a:solidFill>
+                <a:schemeClr val="tx1"/>
+              </a:solidFill>
+              <a:effectLst/>
+              <a:latin typeface="Arial" panose="020B0604020202020204" pitchFamily="34" charset="0"/>
+            </a:endParaRPr>
+          </a:p>
+          <a:p>
+            <a:pPr>
+              <a:lnSpc>
+                <a:spcPct val="150000"/>
+              </a:lnSpc>
+              <a:buNone/>
+            </a:pPr>
+            <a:r>
+              <a:rPr lang="az-Latn-AZ" altLang="en-US" sz="1300">
+                <a:latin typeface="Arial" panose="020B0604020202020204" pitchFamily="34" charset="0"/>
+              </a:rPr>
+              <a:t>Onun üçün </a:t>
+            </a:r>
+            <a:r>
+              <a:rPr lang="en-US" altLang="en-US" sz="1300" b="1">
+                <a:latin typeface="Arial" panose="020B0604020202020204" pitchFamily="34" charset="0"/>
+              </a:rPr>
+              <a:t>delete() </a:t>
+            </a:r>
+            <a:r>
+              <a:rPr lang="en-US" altLang="en-US" sz="1300">
+                <a:latin typeface="Arial" panose="020B0604020202020204" pitchFamily="34" charset="0"/>
+              </a:rPr>
+              <a:t>metodunu </a:t>
+            </a:r>
+            <a:r>
+              <a:rPr lang="en-US" altLang="en-US" sz="1300" b="1">
+                <a:solidFill>
+                  <a:srgbClr val="0070C0"/>
+                </a:solidFill>
+                <a:latin typeface="Arial" panose="020B0604020202020204" pitchFamily="34" charset="0"/>
+              </a:rPr>
+              <a:t>WHERE() </a:t>
+            </a:r>
+            <a:r>
+              <a:rPr lang="en-US" altLang="en-US" sz="1300">
+                <a:latin typeface="Arial" panose="020B0604020202020204" pitchFamily="34" charset="0"/>
+              </a:rPr>
+              <a:t>i</a:t>
+            </a:r>
+            <a:r>
+              <a:rPr lang="az-Latn-AZ" altLang="en-US" sz="1300">
+                <a:latin typeface="Arial" panose="020B0604020202020204" pitchFamily="34" charset="0"/>
+              </a:rPr>
+              <a:t>lə istifadə etmək lazımdır. Eloquent üçün </a:t>
+            </a:r>
+            <a:r>
+              <a:rPr lang="az-Latn-AZ" altLang="en-US" sz="1300" b="1">
+                <a:latin typeface="Arial" panose="020B0604020202020204" pitchFamily="34" charset="0"/>
+              </a:rPr>
+              <a:t>destroy(17)</a:t>
+            </a:r>
+            <a:r>
+              <a:rPr lang="az-Latn-AZ" altLang="en-US" sz="1300">
+                <a:latin typeface="Arial" panose="020B0604020202020204" pitchFamily="34" charset="0"/>
+              </a:rPr>
+              <a:t> istifadə etmək doğrudur. </a:t>
+            </a:r>
+            <a:endParaRPr kumimoji="0" lang="en-US" altLang="en-US" sz="1300" b="0" i="0" u="none" strike="noStrike" cap="none" normalizeH="0" baseline="0">
+              <a:ln>
+                <a:noFill/>
+              </a:ln>
+              <a:solidFill>
+                <a:schemeClr val="tx1"/>
+              </a:solidFill>
+              <a:effectLst/>
+              <a:latin typeface="Arial" panose="020B0604020202020204" pitchFamily="34" charset="0"/>
+            </a:endParaRPr>
+          </a:p>
+        </p:txBody>
+      </p:sp>
+      <p:pic>
+        <p:nvPicPr>
+          <p:cNvPr id="4" name="Picture 3">
+            <a:extLst>
+              <a:ext uri="{FF2B5EF4-FFF2-40B4-BE49-F238E27FC236}">
+                <a16:creationId xmlns:a16="http://schemas.microsoft.com/office/drawing/2014/main" id="{B3E03E70-0FBD-A515-16C0-DC8854FAFAE3}"/>
+              </a:ext>
+            </a:extLst>
+          </p:cNvPr>
+          <p:cNvPicPr>
+            <a:picLocks noChangeAspect="1"/>
+          </p:cNvPicPr>
+          <p:nvPr/>
+        </p:nvPicPr>
+        <p:blipFill>
+          <a:blip r:embed="rId2"/>
+          <a:stretch>
+            <a:fillRect/>
+          </a:stretch>
+        </p:blipFill>
+        <p:spPr>
+          <a:xfrm>
+            <a:off x="217714" y="5235264"/>
+            <a:ext cx="5468113" cy="704948"/>
+          </a:xfrm>
+          <a:prstGeom prst="rect">
+            <a:avLst/>
+          </a:prstGeom>
+        </p:spPr>
+      </p:pic>
     </p:spTree>
     <p:extLst>
       <p:ext uri="{BB962C8B-B14F-4D97-AF65-F5344CB8AC3E}">
@@ -3422,56 +3979,36 @@
           <a:chExt cx="0" cy="0"/>
         </a:xfrm>
       </p:grpSpPr>
-      <p:sp>
-        <p:nvSpPr>
-          <p:cNvPr id="3" name="TextBox 2">
-            <a:extLst>
-              <a:ext uri="{FF2B5EF4-FFF2-40B4-BE49-F238E27FC236}">
-                <a16:creationId xmlns:a16="http://schemas.microsoft.com/office/drawing/2014/main" id="{236F8101-DE4E-C2C9-27D7-F2AFF50D0B18}"/>
-              </a:ext>
-            </a:extLst>
-          </p:cNvPr>
-          <p:cNvSpPr txBox="1"/>
+      <p:pic>
+        <p:nvPicPr>
+          <p:cNvPr id="4" name="Picture 3">
+            <a:extLst>
+              <a:ext uri="{FF2B5EF4-FFF2-40B4-BE49-F238E27FC236}">
+                <a16:creationId xmlns:a16="http://schemas.microsoft.com/office/drawing/2014/main" id="{60ADCBF6-A3B3-F2F4-868A-FE7C5DAA92C6}"/>
+              </a:ext>
+            </a:extLst>
+          </p:cNvPr>
+          <p:cNvPicPr>
+            <a:picLocks noChangeAspect="1"/>
+          </p:cNvPicPr>
           <p:nvPr/>
-        </p:nvSpPr>
+        </p:nvPicPr>
+        <p:blipFill>
+          <a:blip r:embed="rId2"/>
+          <a:stretch>
+            <a:fillRect/>
+          </a:stretch>
+        </p:blipFill>
         <p:spPr>
           <a:xfrm>
-            <a:off x="217714" y="255046"/>
-            <a:ext cx="11756571" cy="355354"/>
+            <a:off x="3395285" y="1557076"/>
+            <a:ext cx="5401429" cy="3743847"/>
           </a:xfrm>
           <a:prstGeom prst="rect">
             <a:avLst/>
           </a:prstGeom>
-          <a:noFill/>
         </p:spPr>
-        <p:txBody>
-          <a:bodyPr wrap="square">
-            <a:spAutoFit/>
-          </a:bodyPr>
-          <a:lstStyle/>
-          <a:p>
-            <a:pPr>
-              <a:lnSpc>
-                <a:spcPct val="150000"/>
-              </a:lnSpc>
-              <a:buNone/>
-            </a:pPr>
-            <a:r>
-              <a:rPr kumimoji="0" lang="en-US" altLang="en-US" sz="1300" b="0" i="0" u="none" strike="noStrike" cap="none" normalizeH="0" baseline="0">
-                <a:ln>
-                  <a:noFill/>
-                </a:ln>
-                <a:solidFill>
-                  <a:schemeClr val="tx1"/>
-                </a:solidFill>
-                <a:effectLst/>
-                <a:latin typeface="Arial" panose="020B0604020202020204" pitchFamily="34" charset="0"/>
-              </a:rPr>
-              <a:t>.</a:t>
-            </a:r>
-          </a:p>
-        </p:txBody>
-      </p:sp>
+      </p:pic>
     </p:spTree>
     <p:extLst>
       <p:ext uri="{BB962C8B-B14F-4D97-AF65-F5344CB8AC3E}">
@@ -3486,178 +4023,6 @@
 </file>
 
 <file path=ppt/slides/slide3.xml><?xml version="1.0" encoding="utf-8"?>
-<p:sld xmlns:a="http://schemas.openxmlformats.org/drawingml/2006/main" xmlns:r="http://schemas.openxmlformats.org/officeDocument/2006/relationships" xmlns:p="http://schemas.openxmlformats.org/presentationml/2006/main">
-  <p:cSld>
-    <p:spTree>
-      <p:nvGrpSpPr>
-        <p:cNvPr id="1" name="">
-          <a:extLst>
-            <a:ext uri="{FF2B5EF4-FFF2-40B4-BE49-F238E27FC236}">
-              <a16:creationId xmlns:a16="http://schemas.microsoft.com/office/drawing/2014/main" id="{F7408F35-5507-93D3-5CFF-693F306C6EEF}"/>
-            </a:ext>
-          </a:extLst>
-        </p:cNvPr>
-        <p:cNvGrpSpPr/>
-        <p:nvPr/>
-      </p:nvGrpSpPr>
-      <p:grpSpPr>
-        <a:xfrm>
-          <a:off x="0" y="0"/>
-          <a:ext cx="0" cy="0"/>
-          <a:chOff x="0" y="0"/>
-          <a:chExt cx="0" cy="0"/>
-        </a:xfrm>
-      </p:grpSpPr>
-      <p:sp>
-        <p:nvSpPr>
-          <p:cNvPr id="3" name="TextBox 2">
-            <a:extLst>
-              <a:ext uri="{FF2B5EF4-FFF2-40B4-BE49-F238E27FC236}">
-                <a16:creationId xmlns:a16="http://schemas.microsoft.com/office/drawing/2014/main" id="{CE03006C-F75B-A6B7-835A-144BB9593160}"/>
-              </a:ext>
-            </a:extLst>
-          </p:cNvPr>
-          <p:cNvSpPr txBox="1"/>
-          <p:nvPr/>
-        </p:nvSpPr>
-        <p:spPr>
-          <a:xfrm>
-            <a:off x="217714" y="255046"/>
-            <a:ext cx="11756571" cy="355354"/>
-          </a:xfrm>
-          <a:prstGeom prst="rect">
-            <a:avLst/>
-          </a:prstGeom>
-          <a:noFill/>
-        </p:spPr>
-        <p:txBody>
-          <a:bodyPr wrap="square">
-            <a:spAutoFit/>
-          </a:bodyPr>
-          <a:lstStyle/>
-          <a:p>
-            <a:pPr>
-              <a:lnSpc>
-                <a:spcPct val="150000"/>
-              </a:lnSpc>
-              <a:buNone/>
-            </a:pPr>
-            <a:r>
-              <a:rPr kumimoji="0" lang="en-US" altLang="en-US" sz="1300" b="0" i="0" u="none" strike="noStrike" cap="none" normalizeH="0" baseline="0">
-                <a:ln>
-                  <a:noFill/>
-                </a:ln>
-                <a:solidFill>
-                  <a:schemeClr val="tx1"/>
-                </a:solidFill>
-                <a:effectLst/>
-                <a:latin typeface="Arial" panose="020B0604020202020204" pitchFamily="34" charset="0"/>
-              </a:rPr>
-              <a:t>.</a:t>
-            </a:r>
-          </a:p>
-        </p:txBody>
-      </p:sp>
-    </p:spTree>
-    <p:extLst>
-      <p:ext uri="{BB962C8B-B14F-4D97-AF65-F5344CB8AC3E}">
-        <p14:creationId xmlns:p14="http://schemas.microsoft.com/office/powerpoint/2010/main" val="2376313205"/>
-      </p:ext>
-    </p:extLst>
-  </p:cSld>
-  <p:clrMapOvr>
-    <a:masterClrMapping/>
-  </p:clrMapOvr>
-</p:sld>
-</file>
-
-<file path=ppt/slides/slide4.xml><?xml version="1.0" encoding="utf-8"?>
-<p:sld xmlns:a="http://schemas.openxmlformats.org/drawingml/2006/main" xmlns:r="http://schemas.openxmlformats.org/officeDocument/2006/relationships" xmlns:p="http://schemas.openxmlformats.org/presentationml/2006/main">
-  <p:cSld>
-    <p:spTree>
-      <p:nvGrpSpPr>
-        <p:cNvPr id="1" name="">
-          <a:extLst>
-            <a:ext uri="{FF2B5EF4-FFF2-40B4-BE49-F238E27FC236}">
-              <a16:creationId xmlns:a16="http://schemas.microsoft.com/office/drawing/2014/main" id="{F2452F18-3A5E-9D8F-DCA7-5DE749CF0A36}"/>
-            </a:ext>
-          </a:extLst>
-        </p:cNvPr>
-        <p:cNvGrpSpPr/>
-        <p:nvPr/>
-      </p:nvGrpSpPr>
-      <p:grpSpPr>
-        <a:xfrm>
-          <a:off x="0" y="0"/>
-          <a:ext cx="0" cy="0"/>
-          <a:chOff x="0" y="0"/>
-          <a:chExt cx="0" cy="0"/>
-        </a:xfrm>
-      </p:grpSpPr>
-      <p:sp>
-        <p:nvSpPr>
-          <p:cNvPr id="3" name="TextBox 2">
-            <a:extLst>
-              <a:ext uri="{FF2B5EF4-FFF2-40B4-BE49-F238E27FC236}">
-                <a16:creationId xmlns:a16="http://schemas.microsoft.com/office/drawing/2014/main" id="{D0C1D576-E98F-4E42-CEBC-046D35CA6AF7}"/>
-              </a:ext>
-            </a:extLst>
-          </p:cNvPr>
-          <p:cNvSpPr txBox="1"/>
-          <p:nvPr/>
-        </p:nvSpPr>
-        <p:spPr>
-          <a:xfrm>
-            <a:off x="217714" y="255046"/>
-            <a:ext cx="11756571" cy="355354"/>
-          </a:xfrm>
-          <a:prstGeom prst="rect">
-            <a:avLst/>
-          </a:prstGeom>
-          <a:noFill/>
-        </p:spPr>
-        <p:txBody>
-          <a:bodyPr wrap="square">
-            <a:spAutoFit/>
-          </a:bodyPr>
-          <a:lstStyle/>
-          <a:p>
-            <a:pPr>
-              <a:lnSpc>
-                <a:spcPct val="150000"/>
-              </a:lnSpc>
-              <a:buNone/>
-            </a:pPr>
-            <a:r>
-              <a:rPr kumimoji="0" lang="en-US" altLang="en-US" sz="1300" b="0" i="0" u="none" strike="noStrike" cap="none" normalizeH="0" baseline="0">
-                <a:ln>
-                  <a:noFill/>
-                </a:ln>
-                <a:solidFill>
-                  <a:schemeClr val="tx1"/>
-                </a:solidFill>
-                <a:effectLst/>
-                <a:latin typeface="Arial" panose="020B0604020202020204" pitchFamily="34" charset="0"/>
-              </a:rPr>
-              <a:t>.</a:t>
-            </a:r>
-          </a:p>
-        </p:txBody>
-      </p:sp>
-    </p:spTree>
-    <p:extLst>
-      <p:ext uri="{BB962C8B-B14F-4D97-AF65-F5344CB8AC3E}">
-        <p14:creationId xmlns:p14="http://schemas.microsoft.com/office/powerpoint/2010/main" val="1608225777"/>
-      </p:ext>
-    </p:extLst>
-  </p:cSld>
-  <p:clrMapOvr>
-    <a:masterClrMapping/>
-  </p:clrMapOvr>
-</p:sld>
-</file>
-
-<file path=ppt/slides/slide5.xml><?xml version="1.0" encoding="utf-8"?>
 <p:sld xmlns:a="http://schemas.openxmlformats.org/drawingml/2006/main" xmlns:r="http://schemas.openxmlformats.org/officeDocument/2006/relationships" xmlns:p="http://schemas.openxmlformats.org/presentationml/2006/main">
   <p:cSld>
     <p:spTree>
